--- a/Project3/Reports/Project 3 Interim Presentation.pptx
+++ b/Project3/Reports/Project 3 Interim Presentation.pptx
@@ -8,6 +8,7 @@
     <p:sldId id="256" r:id="rId2"/>
     <p:sldId id="257" r:id="rId3"/>
     <p:sldId id="258" r:id="rId4"/>
+    <p:sldId id="259" r:id="rId5"/>
   </p:sldIdLst>
   <p:sldSz cx="12192000" cy="6858000"/>
   <p:notesSz cx="6858000" cy="9144000"/>
@@ -5830,6 +5831,142 @@
 </p:sld>
 </file>
 
+<file path=ppt/slides/slide4.xml><?xml version="1.0" encoding="utf-8"?>
+<p:sld xmlns:a="http://schemas.openxmlformats.org/drawingml/2006/main" xmlns:r="http://schemas.openxmlformats.org/officeDocument/2006/relationships" xmlns:p="http://schemas.openxmlformats.org/presentationml/2006/main">
+  <p:cSld>
+    <p:spTree>
+      <p:nvGrpSpPr>
+        <p:cNvPr id="1" name=""/>
+        <p:cNvGrpSpPr/>
+        <p:nvPr/>
+      </p:nvGrpSpPr>
+      <p:grpSpPr>
+        <a:xfrm>
+          <a:off x="0" y="0"/>
+          <a:ext cx="0" cy="0"/>
+          <a:chOff x="0" y="0"/>
+          <a:chExt cx="0" cy="0"/>
+        </a:xfrm>
+      </p:grpSpPr>
+      <p:sp>
+        <p:nvSpPr>
+          <p:cNvPr id="2" name="Title 1"/>
+          <p:cNvSpPr>
+            <a:spLocks noGrp="1"/>
+          </p:cNvSpPr>
+          <p:nvPr>
+            <p:ph type="title"/>
+          </p:nvPr>
+        </p:nvSpPr>
+        <p:spPr/>
+        <p:txBody>
+          <a:bodyPr/>
+          <a:lstStyle/>
+          <a:p>
+            <a:r>
+              <a:rPr lang="en-US" dirty="0" smtClean="0">
+                <a:latin typeface="Times New Roman" panose="02020603050405020304" pitchFamily="18" charset="0"/>
+                <a:cs typeface="Times New Roman" panose="02020603050405020304" pitchFamily="18" charset="0"/>
+              </a:rPr>
+              <a:t>Data Cleaning &amp; Analysis Plan</a:t>
+            </a:r>
+            <a:endParaRPr lang="en-US" dirty="0">
+              <a:latin typeface="Times New Roman" panose="02020603050405020304" pitchFamily="18" charset="0"/>
+              <a:cs typeface="Times New Roman" panose="02020603050405020304" pitchFamily="18" charset="0"/>
+            </a:endParaRPr>
+          </a:p>
+        </p:txBody>
+      </p:sp>
+      <p:sp>
+        <p:nvSpPr>
+          <p:cNvPr id="3" name="Content Placeholder 2"/>
+          <p:cNvSpPr>
+            <a:spLocks noGrp="1"/>
+          </p:cNvSpPr>
+          <p:nvPr>
+            <p:ph idx="1"/>
+          </p:nvPr>
+        </p:nvSpPr>
+        <p:spPr>
+          <a:xfrm>
+            <a:off x="838200" y="1825625"/>
+            <a:ext cx="10515600" cy="4618038"/>
+          </a:xfrm>
+        </p:spPr>
+        <p:txBody>
+          <a:bodyPr>
+            <a:normAutofit/>
+          </a:bodyPr>
+          <a:lstStyle/>
+          <a:p>
+            <a:r>
+              <a:rPr lang="en-US" dirty="0" smtClean="0">
+                <a:latin typeface="Times New Roman" panose="02020603050405020304" pitchFamily="18" charset="0"/>
+                <a:cs typeface="Times New Roman" panose="02020603050405020304" pitchFamily="18" charset="0"/>
+              </a:rPr>
+              <a:t>For each outcome, removed those who did not have 3+ observations</a:t>
+            </a:r>
+          </a:p>
+          <a:p>
+            <a:pPr marL="0" indent="0">
+              <a:buNone/>
+            </a:pPr>
+            <a:endParaRPr lang="en-US" sz="1000" dirty="0" smtClean="0">
+              <a:latin typeface="Times New Roman" panose="02020603050405020304" pitchFamily="18" charset="0"/>
+              <a:cs typeface="Times New Roman" panose="02020603050405020304" pitchFamily="18" charset="0"/>
+            </a:endParaRPr>
+          </a:p>
+          <a:p>
+            <a:r>
+              <a:rPr lang="en-US" dirty="0" smtClean="0">
+                <a:latin typeface="Times New Roman" panose="02020603050405020304" pitchFamily="18" charset="0"/>
+                <a:cs typeface="Times New Roman" panose="02020603050405020304" pitchFamily="18" charset="0"/>
+              </a:rPr>
+              <a:t>For each outcome, fit linear mixed model to account for correlation induced by repeated measures on subjects</a:t>
+            </a:r>
+          </a:p>
+          <a:p>
+            <a:r>
+              <a:rPr lang="en-US" dirty="0" smtClean="0">
+                <a:latin typeface="Times New Roman" panose="02020603050405020304" pitchFamily="18" charset="0"/>
+                <a:cs typeface="Times New Roman" panose="02020603050405020304" pitchFamily="18" charset="0"/>
+              </a:rPr>
+              <a:t>Adjust for baseline age, SES, development of dementia/MCI (Y/N)</a:t>
+            </a:r>
+          </a:p>
+          <a:p>
+            <a:r>
+              <a:rPr lang="en-US" dirty="0" smtClean="0">
+                <a:latin typeface="Times New Roman" panose="02020603050405020304" pitchFamily="18" charset="0"/>
+                <a:cs typeface="Times New Roman" panose="02020603050405020304" pitchFamily="18" charset="0"/>
+              </a:rPr>
+              <a:t>Utilize maximum likelihood methods to fit the model for a variety of change-points, adjusting for age of diagnosis of dementia/MCI</a:t>
+            </a:r>
+          </a:p>
+          <a:p>
+            <a:r>
+              <a:rPr lang="en-US" dirty="0" smtClean="0">
+                <a:latin typeface="Times New Roman" panose="02020603050405020304" pitchFamily="18" charset="0"/>
+                <a:cs typeface="Times New Roman" panose="02020603050405020304" pitchFamily="18" charset="0"/>
+              </a:rPr>
+              <a:t>Change-point with highest likelihood will be determined to identify at what time prior to diagnosis that rates begin to decline</a:t>
+            </a:r>
+          </a:p>
+        </p:txBody>
+      </p:sp>
+    </p:spTree>
+    <p:extLst>
+      <p:ext uri="{BB962C8B-B14F-4D97-AF65-F5344CB8AC3E}">
+        <p14:creationId xmlns:p14="http://schemas.microsoft.com/office/powerpoint/2010/main" val="1407715612"/>
+      </p:ext>
+    </p:extLst>
+  </p:cSld>
+  <p:clrMapOvr>
+    <a:masterClrMapping/>
+  </p:clrMapOvr>
+</p:sld>
+</file>
+
 <file path=ppt/theme/theme1.xml><?xml version="1.0" encoding="utf-8"?>
 <a:theme xmlns:a="http://schemas.openxmlformats.org/drawingml/2006/main" name="Office Theme">
   <a:themeElements>

--- a/Project3/Reports/Project 3 Interim Presentation.pptx
+++ b/Project3/Reports/Project 3 Interim Presentation.pptx
@@ -107,6 +107,11 @@
       </a:defRPr>
     </a:lvl9pPr>
   </p:defaultTextStyle>
+  <p:extLst>
+    <p:ext uri="{EFAFB233-063F-42B5-8137-9DF3F51BA10A}">
+      <p15:sldGuideLst xmlns:p15="http://schemas.microsoft.com/office/powerpoint/2012/main"/>
+    </p:ext>
+  </p:extLst>
 </p:presentation>
 </file>
 
@@ -241,7 +246,7 @@
           <a:p>
             <a:fld id="{CCF9A75F-84B1-4BD9-B465-FF6B10813C40}" type="datetimeFigureOut">
               <a:rPr lang="en-US" smtClean="0"/>
-              <a:t>11/10/2017</a:t>
+              <a:t>11/13/2017</a:t>
             </a:fld>
             <a:endParaRPr lang="en-US"/>
           </a:p>
@@ -411,7 +416,7 @@
           <a:p>
             <a:fld id="{CCF9A75F-84B1-4BD9-B465-FF6B10813C40}" type="datetimeFigureOut">
               <a:rPr lang="en-US" smtClean="0"/>
-              <a:t>11/10/2017</a:t>
+              <a:t>11/13/2017</a:t>
             </a:fld>
             <a:endParaRPr lang="en-US"/>
           </a:p>
@@ -591,7 +596,7 @@
           <a:p>
             <a:fld id="{CCF9A75F-84B1-4BD9-B465-FF6B10813C40}" type="datetimeFigureOut">
               <a:rPr lang="en-US" smtClean="0"/>
-              <a:t>11/10/2017</a:t>
+              <a:t>11/13/2017</a:t>
             </a:fld>
             <a:endParaRPr lang="en-US"/>
           </a:p>
@@ -761,7 +766,7 @@
           <a:p>
             <a:fld id="{CCF9A75F-84B1-4BD9-B465-FF6B10813C40}" type="datetimeFigureOut">
               <a:rPr lang="en-US" smtClean="0"/>
-              <a:t>11/10/2017</a:t>
+              <a:t>11/13/2017</a:t>
             </a:fld>
             <a:endParaRPr lang="en-US"/>
           </a:p>
@@ -1007,7 +1012,7 @@
           <a:p>
             <a:fld id="{CCF9A75F-84B1-4BD9-B465-FF6B10813C40}" type="datetimeFigureOut">
               <a:rPr lang="en-US" smtClean="0"/>
-              <a:t>11/10/2017</a:t>
+              <a:t>11/13/2017</a:t>
             </a:fld>
             <a:endParaRPr lang="en-US"/>
           </a:p>
@@ -1239,7 +1244,7 @@
           <a:p>
             <a:fld id="{CCF9A75F-84B1-4BD9-B465-FF6B10813C40}" type="datetimeFigureOut">
               <a:rPr lang="en-US" smtClean="0"/>
-              <a:t>11/10/2017</a:t>
+              <a:t>11/13/2017</a:t>
             </a:fld>
             <a:endParaRPr lang="en-US"/>
           </a:p>
@@ -1606,7 +1611,7 @@
           <a:p>
             <a:fld id="{CCF9A75F-84B1-4BD9-B465-FF6B10813C40}" type="datetimeFigureOut">
               <a:rPr lang="en-US" smtClean="0"/>
-              <a:t>11/10/2017</a:t>
+              <a:t>11/13/2017</a:t>
             </a:fld>
             <a:endParaRPr lang="en-US"/>
           </a:p>
@@ -1724,7 +1729,7 @@
           <a:p>
             <a:fld id="{CCF9A75F-84B1-4BD9-B465-FF6B10813C40}" type="datetimeFigureOut">
               <a:rPr lang="en-US" smtClean="0"/>
-              <a:t>11/10/2017</a:t>
+              <a:t>11/13/2017</a:t>
             </a:fld>
             <a:endParaRPr lang="en-US"/>
           </a:p>
@@ -1819,7 +1824,7 @@
           <a:p>
             <a:fld id="{CCF9A75F-84B1-4BD9-B465-FF6B10813C40}" type="datetimeFigureOut">
               <a:rPr lang="en-US" smtClean="0"/>
-              <a:t>11/10/2017</a:t>
+              <a:t>11/13/2017</a:t>
             </a:fld>
             <a:endParaRPr lang="en-US"/>
           </a:p>
@@ -2096,7 +2101,7 @@
           <a:p>
             <a:fld id="{CCF9A75F-84B1-4BD9-B465-FF6B10813C40}" type="datetimeFigureOut">
               <a:rPr lang="en-US" smtClean="0"/>
-              <a:t>11/10/2017</a:t>
+              <a:t>11/13/2017</a:t>
             </a:fld>
             <a:endParaRPr lang="en-US"/>
           </a:p>
@@ -2349,7 +2354,7 @@
           <a:p>
             <a:fld id="{CCF9A75F-84B1-4BD9-B465-FF6B10813C40}" type="datetimeFigureOut">
               <a:rPr lang="en-US" smtClean="0"/>
-              <a:t>11/10/2017</a:t>
+              <a:t>11/13/2017</a:t>
             </a:fld>
             <a:endParaRPr lang="en-US"/>
           </a:p>
@@ -2562,7 +2567,7 @@
           <a:p>
             <a:fld id="{CCF9A75F-84B1-4BD9-B465-FF6B10813C40}" type="datetimeFigureOut">
               <a:rPr lang="en-US" smtClean="0"/>
-              <a:t>11/10/2017</a:t>
+              <a:t>11/13/2017</a:t>
             </a:fld>
             <a:endParaRPr lang="en-US"/>
           </a:p>
@@ -2989,7 +2994,28 @@
                 <a:latin typeface="Times New Roman" panose="02020603050405020304" pitchFamily="18" charset="0"/>
                 <a:cs typeface="Times New Roman" panose="02020603050405020304" pitchFamily="18" charset="0"/>
               </a:rPr>
-              <a:t>Project 3: Trajectories of Onset of Memory/Cognitive Loss</a:t>
+              <a:t>Project </a:t>
+            </a:r>
+            <a:r>
+              <a:rPr lang="en-US" dirty="0" smtClean="0">
+                <a:latin typeface="Times New Roman" panose="02020603050405020304" pitchFamily="18" charset="0"/>
+                <a:cs typeface="Times New Roman" panose="02020603050405020304" pitchFamily="18" charset="0"/>
+              </a:rPr>
+              <a:t>3 </a:t>
+            </a:r>
+            <a:r>
+              <a:rPr lang="en-US" smtClean="0">
+                <a:latin typeface="Times New Roman" panose="02020603050405020304" pitchFamily="18" charset="0"/>
+                <a:cs typeface="Times New Roman" panose="02020603050405020304" pitchFamily="18" charset="0"/>
+              </a:rPr>
+              <a:t>Interim Presentation: </a:t>
+            </a:r>
+            <a:r>
+              <a:rPr lang="en-US" dirty="0" smtClean="0">
+                <a:latin typeface="Times New Roman" panose="02020603050405020304" pitchFamily="18" charset="0"/>
+                <a:cs typeface="Times New Roman" panose="02020603050405020304" pitchFamily="18" charset="0"/>
+              </a:rPr>
+              <a:t>Trajectories of Onset of Memory/Cognitive Loss</a:t>
             </a:r>
             <a:endParaRPr lang="en-US" dirty="0">
               <a:latin typeface="Times New Roman" panose="02020603050405020304" pitchFamily="18" charset="0"/>
